--- a/files/slides/lecture_7.pptx
+++ b/files/slides/lecture_7.pptx
@@ -27379,9 +27379,9 @@
         <p:grpSpPr>
           <a:xfrm>
             <a:off x="2049463" y="1345231"/>
-            <a:ext cx="8093075" cy="4553285"/>
+            <a:ext cx="8093075" cy="4553920"/>
             <a:chOff x="828" y="2409"/>
-            <a:chExt cx="12745" cy="7171"/>
+            <a:chExt cx="12745" cy="7172"/>
           </a:xfrm>
         </p:grpSpPr>
         <p:sp>
@@ -27465,7 +27465,7 @@
           <p:spPr>
             <a:xfrm>
               <a:off x="9600" y="4798"/>
-              <a:ext cx="3840" cy="2761"/>
+              <a:ext cx="3840" cy="2325"/>
             </a:xfrm>
             <a:prstGeom prst="rect">
               <a:avLst/>
@@ -27525,7 +27525,7 @@
                   <a:ea typeface="微软雅黑" panose="020B0503020204020204" charset="-122"/>
                   <a:cs typeface="+mn-cs"/>
                 </a:rPr>
-                <a:t>企业可以借助信用管理水平的提升和有效的征信服务，来规避、控制、降低、转移信用风险。</a:t>
+                <a:t>企业可以借助信用管理水平的提升和有效的征信服务，来控制、降低信用风险。</a:t>
               </a:r>
               <a:endParaRPr kumimoji="0" lang="zh-CN" altLang="en-US" kern="1200" cap="none" spc="0" normalizeH="0" baseline="0" noProof="0" dirty="0">
                 <a:solidFill>

--- a/files/slides/lecture_7.pptx
+++ b/files/slides/lecture_7.pptx
@@ -16295,40 +16295,6 @@
               </a:rPr>
               <a:t>企业应收帐款管理制度</a:t>
             </a:r>
-            <a:r>
-              <a:rPr kumimoji="0" lang="zh-CN" altLang="en-US" sz="2400" i="0" u="none" strike="noStrike" kern="1200" cap="none" spc="0" normalizeH="0" baseline="0" noProof="0" dirty="0">
-                <a:ln>
-                  <a:noFill/>
-                </a:ln>
-                <a:solidFill>
-                  <a:schemeClr val="tx1"/>
-                </a:solidFill>
-                <a:effectLst/>
-                <a:uLnTx/>
-                <a:uFillTx/>
-                <a:latin typeface="微软雅黑" panose="020B0503020204020204" charset="-122"/>
-                <a:ea typeface="微软雅黑" panose="020B0503020204020204" charset="-122"/>
-                <a:cs typeface="微软雅黑" panose="020B0503020204020204" charset="-122"/>
-              </a:rPr>
-              <a:t>和</a:t>
-            </a:r>
-            <a:r>
-              <a:rPr kumimoji="0" lang="zh-CN" altLang="en-US" sz="2400" b="1" i="0" u="none" strike="noStrike" kern="1200" cap="none" spc="0" normalizeH="0" baseline="0" noProof="0" dirty="0">
-                <a:ln>
-                  <a:noFill/>
-                </a:ln>
-                <a:solidFill>
-                  <a:schemeClr val="tx1"/>
-                </a:solidFill>
-                <a:effectLst/>
-                <a:uLnTx/>
-                <a:uFillTx/>
-                <a:latin typeface="微软雅黑" panose="020B0503020204020204" charset="-122"/>
-                <a:ea typeface="微软雅黑" panose="020B0503020204020204" charset="-122"/>
-                <a:cs typeface="微软雅黑" panose="020B0503020204020204" charset="-122"/>
-              </a:rPr>
-              <a:t>帐款催收技巧</a:t>
-            </a:r>
             <a:endParaRPr kumimoji="0" lang="zh-CN" altLang="en-US" sz="2400" b="1" i="0" u="none" strike="noStrike" kern="1200" cap="none" spc="0" normalizeH="0" baseline="0" noProof="0" dirty="0">
               <a:ln>
                 <a:noFill/>
